--- a/志愿填报讲解答疑会/横幅.pptx
+++ b/志愿填报讲解答疑会/横幅.pptx
@@ -151,7 +151,7 @@
           <p:cNvPr id="2" name="页眉占位符 1">
             <a:extLst>
               <a:ext uri="{FF2B5EF4-FFF2-40B4-BE49-F238E27FC236}">
-                <a16:creationId xmlns="" xmlns:a16="http://schemas.microsoft.com/office/drawing/2014/main" id="{59D74C39-3B15-4CE7-A389-3B1ED4B76DEA}"/>
+                <a16:creationId xmlns:a16="http://schemas.microsoft.com/office/drawing/2014/main" id="{59D74C39-3B15-4CE7-A389-3B1ED4B76DEA}"/>
               </a:ext>
             </a:extLst>
           </p:cNvPr>
@@ -188,7 +188,7 @@
           <p:cNvPr id="3" name="日期占位符 2">
             <a:extLst>
               <a:ext uri="{FF2B5EF4-FFF2-40B4-BE49-F238E27FC236}">
-                <a16:creationId xmlns="" xmlns:a16="http://schemas.microsoft.com/office/drawing/2014/main" id="{C4D853CF-E253-4F4C-BC60-1A6FD269D5D1}"/>
+                <a16:creationId xmlns:a16="http://schemas.microsoft.com/office/drawing/2014/main" id="{C4D853CF-E253-4F4C-BC60-1A6FD269D5D1}"/>
               </a:ext>
             </a:extLst>
           </p:cNvPr>
@@ -218,7 +218,7 @@
           <a:p>
             <a:fld id="{8CF0D586-13B1-4C92-B1F5-5AFCDCC4C690}" type="datetimeFigureOut">
               <a:rPr lang="zh-CN" altLang="en-US" smtClean="0"/>
-              <a:t>2023/6/19</a:t>
+              <a:t>2023/6/21</a:t>
             </a:fld>
             <a:endParaRPr lang="zh-CN" altLang="en-US"/>
           </a:p>
@@ -229,7 +229,7 @@
           <p:cNvPr id="4" name="页脚占位符 3">
             <a:extLst>
               <a:ext uri="{FF2B5EF4-FFF2-40B4-BE49-F238E27FC236}">
-                <a16:creationId xmlns="" xmlns:a16="http://schemas.microsoft.com/office/drawing/2014/main" id="{D9849D32-28C5-4A6E-82C2-12EADA61D0D9}"/>
+                <a16:creationId xmlns:a16="http://schemas.microsoft.com/office/drawing/2014/main" id="{D9849D32-28C5-4A6E-82C2-12EADA61D0D9}"/>
               </a:ext>
             </a:extLst>
           </p:cNvPr>
@@ -266,7 +266,7 @@
           <p:cNvPr id="5" name="灯片编号占位符 4">
             <a:extLst>
               <a:ext uri="{FF2B5EF4-FFF2-40B4-BE49-F238E27FC236}">
-                <a16:creationId xmlns="" xmlns:a16="http://schemas.microsoft.com/office/drawing/2014/main" id="{277A1D0A-0B29-47E8-9D76-E002739D084E}"/>
+                <a16:creationId xmlns:a16="http://schemas.microsoft.com/office/drawing/2014/main" id="{277A1D0A-0B29-47E8-9D76-E002739D084E}"/>
               </a:ext>
             </a:extLst>
           </p:cNvPr>
@@ -395,7 +395,7 @@
           <a:p>
             <a:fld id="{582A3D24-6083-4546-8C6D-DEE86BAAAE49}" type="datetimeFigureOut">
               <a:rPr lang="zh-CN" altLang="en-US" smtClean="0"/>
-              <a:t>2023/6/19</a:t>
+              <a:t>2023/6/21</a:t>
             </a:fld>
             <a:endParaRPr lang="zh-CN" altLang="en-US"/>
           </a:p>
@@ -777,7 +777,7 @@
           <p:cNvPr id="14" name="图片">
             <a:extLst>
               <a:ext uri="{FF2B5EF4-FFF2-40B4-BE49-F238E27FC236}">
-                <a16:creationId xmlns:a16="http://schemas.microsoft.com/office/drawing/2014/main" xmlns:p14="http://schemas.microsoft.com/office/powerpoint/2010/main" xmlns:asvg="http://schemas.microsoft.com/office/drawing/2016/SVG/main" xmlns:a14="http://schemas.microsoft.com/office/drawing/2010/main" xmlns="" id="{B5CD923F-6B5D-D655-B8BD-408B63099CCC}"/>
+                <a16:creationId xmlns:a16="http://schemas.microsoft.com/office/drawing/2014/main" id="{B5CD923F-6B5D-D655-B8BD-408B63099CCC}"/>
               </a:ext>
             </a:extLst>
           </p:cNvPr>
@@ -822,7 +822,7 @@
           <p:cNvPr id="7" name="图形 6">
             <a:extLst>
               <a:ext uri="{FF2B5EF4-FFF2-40B4-BE49-F238E27FC236}">
-                <a16:creationId xmlns:a16="http://schemas.microsoft.com/office/drawing/2014/main" xmlns:p14="http://schemas.microsoft.com/office/powerpoint/2010/main" xmlns:asvg="http://schemas.microsoft.com/office/drawing/2016/SVG/main" xmlns:a14="http://schemas.microsoft.com/office/drawing/2010/main" xmlns="" id="{42BCB9CC-1D1E-4B47-8BEF-4B064F6E8AD0}"/>
+                <a16:creationId xmlns:a16="http://schemas.microsoft.com/office/drawing/2014/main" id="{42BCB9CC-1D1E-4B47-8BEF-4B064F6E8AD0}"/>
               </a:ext>
             </a:extLst>
           </p:cNvPr>
@@ -838,7 +838,7 @@
                 <a14:useLocalDpi xmlns:a14="http://schemas.microsoft.com/office/drawing/2010/main"/>
               </a:ext>
               <a:ext uri="{96DAC541-7B7A-43D3-8B79-37D633B846F1}">
-                <asvg:svgBlip xmlns:asvg="http://schemas.microsoft.com/office/drawing/2016/SVG/main" xmlns:p14="http://schemas.microsoft.com/office/powerpoint/2010/main" xmlns:a14="http://schemas.microsoft.com/office/drawing/2010/main" xmlns:a16="http://schemas.microsoft.com/office/drawing/2014/main" xmlns="" r:embed="rId5"/>
+                <asvg:svgBlip xmlns:asvg="http://schemas.microsoft.com/office/drawing/2016/SVG/main" r:embed="rId5"/>
               </a:ext>
             </a:extLst>
           </a:blip>
@@ -860,7 +860,7 @@
           <p:cNvPr id="8" name="文本占位符 7">
             <a:extLst>
               <a:ext uri="{FF2B5EF4-FFF2-40B4-BE49-F238E27FC236}">
-                <a16:creationId xmlns:a16="http://schemas.microsoft.com/office/drawing/2014/main" xmlns:p14="http://schemas.microsoft.com/office/powerpoint/2010/main" xmlns:asvg="http://schemas.microsoft.com/office/drawing/2016/SVG/main" xmlns:a14="http://schemas.microsoft.com/office/drawing/2010/main" xmlns="" id="{44C4A721-803B-47CB-B99E-1D01E8E0169F}"/>
+                <a16:creationId xmlns:a16="http://schemas.microsoft.com/office/drawing/2014/main" id="{44C4A721-803B-47CB-B99E-1D01E8E0169F}"/>
               </a:ext>
             </a:extLst>
           </p:cNvPr>
@@ -916,7 +916,7 @@
           <p:cNvPr id="9" name="文本占位符 8">
             <a:extLst>
               <a:ext uri="{FF2B5EF4-FFF2-40B4-BE49-F238E27FC236}">
-                <a16:creationId xmlns:a16="http://schemas.microsoft.com/office/drawing/2014/main" xmlns:p14="http://schemas.microsoft.com/office/powerpoint/2010/main" xmlns:asvg="http://schemas.microsoft.com/office/drawing/2016/SVG/main" xmlns:a14="http://schemas.microsoft.com/office/drawing/2010/main" xmlns="" id="{CA939A61-406D-45DC-B757-059EFAA05866}"/>
+                <a16:creationId xmlns:a16="http://schemas.microsoft.com/office/drawing/2014/main" id="{CA939A61-406D-45DC-B757-059EFAA05866}"/>
               </a:ext>
             </a:extLst>
           </p:cNvPr>
@@ -973,7 +973,7 @@
           <p:cNvPr id="12" name="文本占位符 11">
             <a:extLst>
               <a:ext uri="{FF2B5EF4-FFF2-40B4-BE49-F238E27FC236}">
-                <a16:creationId xmlns:a16="http://schemas.microsoft.com/office/drawing/2014/main" xmlns:p14="http://schemas.microsoft.com/office/powerpoint/2010/main" xmlns:asvg="http://schemas.microsoft.com/office/drawing/2016/SVG/main" xmlns:a14="http://schemas.microsoft.com/office/drawing/2010/main" xmlns="" id="{4EF3F9F2-2DBE-4016-9D2B-F5CF4BE8EBCE}"/>
+                <a16:creationId xmlns:a16="http://schemas.microsoft.com/office/drawing/2014/main" id="{4EF3F9F2-2DBE-4016-9D2B-F5CF4BE8EBCE}"/>
               </a:ext>
             </a:extLst>
           </p:cNvPr>
@@ -1029,7 +1029,7 @@
           <p:cNvPr id="2" name="标题 1">
             <a:extLst>
               <a:ext uri="{FF2B5EF4-FFF2-40B4-BE49-F238E27FC236}">
-                <a16:creationId xmlns:a16="http://schemas.microsoft.com/office/drawing/2014/main" xmlns:p14="http://schemas.microsoft.com/office/powerpoint/2010/main" xmlns:asvg="http://schemas.microsoft.com/office/drawing/2016/SVG/main" xmlns:a14="http://schemas.microsoft.com/office/drawing/2010/main" xmlns="" id="{E545B57F-7D9D-4AD8-9FE4-E5267D65BB87}"/>
+                <a16:creationId xmlns:a16="http://schemas.microsoft.com/office/drawing/2014/main" id="{E545B57F-7D9D-4AD8-9FE4-E5267D65BB87}"/>
               </a:ext>
             </a:extLst>
           </p:cNvPr>
@@ -1074,7 +1074,7 @@
           <p:cNvPr id="306" name="图形 305">
             <a:extLst>
               <a:ext uri="{FF2B5EF4-FFF2-40B4-BE49-F238E27FC236}">
-                <a16:creationId xmlns:a16="http://schemas.microsoft.com/office/drawing/2014/main" xmlns:p14="http://schemas.microsoft.com/office/powerpoint/2010/main" xmlns:asvg="http://schemas.microsoft.com/office/drawing/2016/SVG/main" xmlns:a14="http://schemas.microsoft.com/office/drawing/2010/main" xmlns="" id="{B26ED53C-ED58-458E-B21A-8CF41DBE1198}"/>
+                <a16:creationId xmlns:a16="http://schemas.microsoft.com/office/drawing/2014/main" id="{B26ED53C-ED58-458E-B21A-8CF41DBE1198}"/>
               </a:ext>
             </a:extLst>
           </p:cNvPr>
@@ -1087,7 +1087,7 @@
           <a:blip r:embed="rId6">
             <a:extLst>
               <a:ext uri="{96DAC541-7B7A-43D3-8B79-37D633B846F1}">
-                <asvg:svgBlip xmlns:asvg="http://schemas.microsoft.com/office/drawing/2016/SVG/main" xmlns:p14="http://schemas.microsoft.com/office/powerpoint/2010/main" xmlns:a14="http://schemas.microsoft.com/office/drawing/2010/main" xmlns:a16="http://schemas.microsoft.com/office/drawing/2014/main" xmlns="" r:embed="rId7"/>
+                <asvg:svgBlip xmlns:asvg="http://schemas.microsoft.com/office/drawing/2016/SVG/main" r:embed="rId7"/>
               </a:ext>
             </a:extLst>
           </a:blip>
@@ -1110,7 +1110,7 @@
           <p:cNvPr id="3" name="副标题 2">
             <a:extLst>
               <a:ext uri="{FF2B5EF4-FFF2-40B4-BE49-F238E27FC236}">
-                <a16:creationId xmlns:a16="http://schemas.microsoft.com/office/drawing/2014/main" xmlns:p14="http://schemas.microsoft.com/office/powerpoint/2010/main" xmlns:asvg="http://schemas.microsoft.com/office/drawing/2016/SVG/main" xmlns:a14="http://schemas.microsoft.com/office/drawing/2010/main" xmlns="" id="{42DDB65F-C302-4F35-9CCB-12FB82E2590D}"/>
+                <a16:creationId xmlns:a16="http://schemas.microsoft.com/office/drawing/2014/main" id="{42DDB65F-C302-4F35-9CCB-12FB82E2590D}"/>
               </a:ext>
             </a:extLst>
           </p:cNvPr>
@@ -1168,7 +1168,7 @@
           <p:cNvPr id="5" name="ïṣḻíḓè">
             <a:extLst>
               <a:ext uri="{FF2B5EF4-FFF2-40B4-BE49-F238E27FC236}">
-                <a16:creationId xmlns:a16="http://schemas.microsoft.com/office/drawing/2014/main" xmlns:p14="http://schemas.microsoft.com/office/powerpoint/2010/main" xmlns:asvg="http://schemas.microsoft.com/office/drawing/2016/SVG/main" xmlns:a14="http://schemas.microsoft.com/office/drawing/2010/main" xmlns="" id="{808B7E4F-96E8-DBB0-2393-2996FFCB4920}"/>
+                <a16:creationId xmlns:a16="http://schemas.microsoft.com/office/drawing/2014/main" id="{808B7E4F-96E8-DBB0-2393-2996FFCB4920}"/>
               </a:ext>
             </a:extLst>
           </p:cNvPr>
@@ -3694,7 +3694,7 @@
           <p:cNvPr id="6" name="ï$ḻídê">
             <a:extLst>
               <a:ext uri="{FF2B5EF4-FFF2-40B4-BE49-F238E27FC236}">
-                <a16:creationId xmlns:a16="http://schemas.microsoft.com/office/drawing/2014/main" xmlns:p14="http://schemas.microsoft.com/office/powerpoint/2010/main" xmlns:asvg="http://schemas.microsoft.com/office/drawing/2016/SVG/main" xmlns:a14="http://schemas.microsoft.com/office/drawing/2010/main" xmlns="" id="{4DF70867-D971-329E-0A9E-FB8F61DAE822}"/>
+                <a16:creationId xmlns:a16="http://schemas.microsoft.com/office/drawing/2014/main" id="{4DF70867-D971-329E-0A9E-FB8F61DAE822}"/>
               </a:ext>
             </a:extLst>
           </p:cNvPr>
@@ -4654,7 +4654,7 @@
           <p:cNvPr id="10" name="îsľîḓè">
             <a:extLst>
               <a:ext uri="{FF2B5EF4-FFF2-40B4-BE49-F238E27FC236}">
-                <a16:creationId xmlns:a16="http://schemas.microsoft.com/office/drawing/2014/main" xmlns:p14="http://schemas.microsoft.com/office/powerpoint/2010/main" xmlns:asvg="http://schemas.microsoft.com/office/drawing/2016/SVG/main" xmlns:a14="http://schemas.microsoft.com/office/drawing/2010/main" xmlns="" id="{F485E8E9-CDE5-74FA-5002-001A0825DE08}"/>
+                <a16:creationId xmlns:a16="http://schemas.microsoft.com/office/drawing/2014/main" id="{F485E8E9-CDE5-74FA-5002-001A0825DE08}"/>
               </a:ext>
             </a:extLst>
           </p:cNvPr>
@@ -5688,7 +5688,7 @@
           <p:cNvPr id="11" name="ïṩḻîḍè">
             <a:extLst>
               <a:ext uri="{FF2B5EF4-FFF2-40B4-BE49-F238E27FC236}">
-                <a16:creationId xmlns:a16="http://schemas.microsoft.com/office/drawing/2014/main" xmlns:p14="http://schemas.microsoft.com/office/powerpoint/2010/main" xmlns:asvg="http://schemas.microsoft.com/office/drawing/2016/SVG/main" xmlns:a14="http://schemas.microsoft.com/office/drawing/2010/main" xmlns="" id="{3E3184E9-546E-F581-5EDE-D1BB0B67481E}"/>
+                <a16:creationId xmlns:a16="http://schemas.microsoft.com/office/drawing/2014/main" id="{3E3184E9-546E-F581-5EDE-D1BB0B67481E}"/>
               </a:ext>
             </a:extLst>
           </p:cNvPr>
@@ -19246,7 +19246,7 @@
           <p:cNvPr id="2" name="标题 1">
             <a:extLst>
               <a:ext uri="{FF2B5EF4-FFF2-40B4-BE49-F238E27FC236}">
-                <a16:creationId xmlns:a16="http://schemas.microsoft.com/office/drawing/2014/main" xmlns:p14="http://schemas.microsoft.com/office/powerpoint/2010/main" xmlns="" id="{95DC6DA8-D137-41D2-A934-63CB8FFB8B81}"/>
+                <a16:creationId xmlns:a16="http://schemas.microsoft.com/office/drawing/2014/main" id="{95DC6DA8-D137-41D2-A934-63CB8FFB8B81}"/>
               </a:ext>
             </a:extLst>
           </p:cNvPr>
@@ -19275,7 +19275,7 @@
           <p:cNvPr id="3" name="内容占位符 2">
             <a:extLst>
               <a:ext uri="{FF2B5EF4-FFF2-40B4-BE49-F238E27FC236}">
-                <a16:creationId xmlns:a16="http://schemas.microsoft.com/office/drawing/2014/main" xmlns:p14="http://schemas.microsoft.com/office/powerpoint/2010/main" xmlns="" id="{0CED916A-3E34-4B9E-8F9F-7A8921A30F99}"/>
+                <a16:creationId xmlns:a16="http://schemas.microsoft.com/office/drawing/2014/main" id="{0CED916A-3E34-4B9E-8F9F-7A8921A30F99}"/>
               </a:ext>
             </a:extLst>
           </p:cNvPr>
@@ -19333,7 +19333,7 @@
           <p:cNvPr id="4" name="日期占位符 3">
             <a:extLst>
               <a:ext uri="{FF2B5EF4-FFF2-40B4-BE49-F238E27FC236}">
-                <a16:creationId xmlns:a16="http://schemas.microsoft.com/office/drawing/2014/main" xmlns:p14="http://schemas.microsoft.com/office/powerpoint/2010/main" xmlns="" id="{57FE6FF3-E480-4C96-9DE0-054940E7CBC6}"/>
+                <a16:creationId xmlns:a16="http://schemas.microsoft.com/office/drawing/2014/main" id="{57FE6FF3-E480-4C96-9DE0-054940E7CBC6}"/>
               </a:ext>
             </a:extLst>
           </p:cNvPr>
@@ -19351,7 +19351,7 @@
           <a:p>
             <a:fld id="{3BC5AEBE-086C-4980-A4E1-E89EE17EFFB9}" type="datetime1">
               <a:rPr lang="zh-CN" altLang="en-US" smtClean="0"/>
-              <a:t>2023/6/19</a:t>
+              <a:t>2023/6/21</a:t>
             </a:fld>
             <a:endParaRPr lang="zh-CN" altLang="en-US"/>
           </a:p>
@@ -19362,7 +19362,7 @@
           <p:cNvPr id="5" name="页脚占位符 4">
             <a:extLst>
               <a:ext uri="{FF2B5EF4-FFF2-40B4-BE49-F238E27FC236}">
-                <a16:creationId xmlns:a16="http://schemas.microsoft.com/office/drawing/2014/main" xmlns:p14="http://schemas.microsoft.com/office/powerpoint/2010/main" xmlns="" id="{055DFAA1-D4C3-4306-A3AE-0641E3581966}"/>
+                <a16:creationId xmlns:a16="http://schemas.microsoft.com/office/drawing/2014/main" id="{055DFAA1-D4C3-4306-A3AE-0641E3581966}"/>
               </a:ext>
             </a:extLst>
           </p:cNvPr>
@@ -19387,7 +19387,7 @@
           <p:cNvPr id="6" name="灯片编号占位符 5">
             <a:extLst>
               <a:ext uri="{FF2B5EF4-FFF2-40B4-BE49-F238E27FC236}">
-                <a16:creationId xmlns:a16="http://schemas.microsoft.com/office/drawing/2014/main" xmlns:p14="http://schemas.microsoft.com/office/powerpoint/2010/main" xmlns="" id="{7A3E0EBE-EC20-4150-A2C6-9837F3449581}"/>
+                <a16:creationId xmlns:a16="http://schemas.microsoft.com/office/drawing/2014/main" id="{7A3E0EBE-EC20-4150-A2C6-9837F3449581}"/>
               </a:ext>
             </a:extLst>
           </p:cNvPr>
@@ -19446,7 +19446,7 @@
           <p:cNvPr id="9" name="文本占位符 8">
             <a:extLst>
               <a:ext uri="{FF2B5EF4-FFF2-40B4-BE49-F238E27FC236}">
-                <a16:creationId xmlns:a16="http://schemas.microsoft.com/office/drawing/2014/main" xmlns:p14="http://schemas.microsoft.com/office/powerpoint/2010/main" xmlns="" id="{FDF03A82-401C-4A0E-BE21-BE588E874141}"/>
+                <a16:creationId xmlns:a16="http://schemas.microsoft.com/office/drawing/2014/main" id="{FDF03A82-401C-4A0E-BE21-BE588E874141}"/>
               </a:ext>
             </a:extLst>
           </p:cNvPr>
@@ -19499,7 +19499,7 @@
           <p:cNvPr id="7" name="文本占位符 6">
             <a:extLst>
               <a:ext uri="{FF2B5EF4-FFF2-40B4-BE49-F238E27FC236}">
-                <a16:creationId xmlns:a16="http://schemas.microsoft.com/office/drawing/2014/main" xmlns:p14="http://schemas.microsoft.com/office/powerpoint/2010/main" xmlns="" id="{0BEF0FD1-3ACE-43A8-AF57-CC0D436DC7D0}"/>
+                <a16:creationId xmlns:a16="http://schemas.microsoft.com/office/drawing/2014/main" id="{0BEF0FD1-3ACE-43A8-AF57-CC0D436DC7D0}"/>
               </a:ext>
             </a:extLst>
           </p:cNvPr>
@@ -19578,7 +19578,7 @@
           <p:cNvPr id="3" name="页脚占位符 2">
             <a:extLst>
               <a:ext uri="{FF2B5EF4-FFF2-40B4-BE49-F238E27FC236}">
-                <a16:creationId xmlns:a16="http://schemas.microsoft.com/office/drawing/2014/main" xmlns:p14="http://schemas.microsoft.com/office/powerpoint/2010/main" xmlns="" id="{CAEA95BB-0FD6-4D94-81DB-8D38069818E5}"/>
+                <a16:creationId xmlns:a16="http://schemas.microsoft.com/office/drawing/2014/main" id="{CAEA95BB-0FD6-4D94-81DB-8D38069818E5}"/>
               </a:ext>
             </a:extLst>
           </p:cNvPr>
@@ -19603,7 +19603,7 @@
           <p:cNvPr id="4" name="日期占位符 3">
             <a:extLst>
               <a:ext uri="{FF2B5EF4-FFF2-40B4-BE49-F238E27FC236}">
-                <a16:creationId xmlns:a16="http://schemas.microsoft.com/office/drawing/2014/main" xmlns:p14="http://schemas.microsoft.com/office/powerpoint/2010/main" xmlns="" id="{16C2568E-3CA5-4FDE-A375-CB503A7EDE34}"/>
+                <a16:creationId xmlns:a16="http://schemas.microsoft.com/office/drawing/2014/main" id="{16C2568E-3CA5-4FDE-A375-CB503A7EDE34}"/>
               </a:ext>
             </a:extLst>
           </p:cNvPr>
@@ -19621,7 +19621,7 @@
           <a:p>
             <a:fld id="{AC4CC43B-9EB6-4465-8B1A-3F7180DAD0DF}" type="datetime1">
               <a:rPr lang="zh-CN" altLang="en-US" smtClean="0"/>
-              <a:t>2023/6/19</a:t>
+              <a:t>2023/6/21</a:t>
             </a:fld>
             <a:endParaRPr lang="en-US" altLang="zh-CN"/>
           </a:p>
@@ -19632,7 +19632,7 @@
           <p:cNvPr id="5" name="灯片编号占位符 4">
             <a:extLst>
               <a:ext uri="{FF2B5EF4-FFF2-40B4-BE49-F238E27FC236}">
-                <a16:creationId xmlns:a16="http://schemas.microsoft.com/office/drawing/2014/main" xmlns:p14="http://schemas.microsoft.com/office/powerpoint/2010/main" xmlns="" id="{E3EAC383-637D-4997-B597-28ADC11AAC10}"/>
+                <a16:creationId xmlns:a16="http://schemas.microsoft.com/office/drawing/2014/main" id="{E3EAC383-637D-4997-B597-28ADC11AAC10}"/>
               </a:ext>
             </a:extLst>
           </p:cNvPr>
@@ -19662,7 +19662,7 @@
           <p:cNvPr id="10" name="î$ļíďé">
             <a:extLst>
               <a:ext uri="{FF2B5EF4-FFF2-40B4-BE49-F238E27FC236}">
-                <a16:creationId xmlns:a16="http://schemas.microsoft.com/office/drawing/2014/main" xmlns:p14="http://schemas.microsoft.com/office/powerpoint/2010/main" xmlns="" id="{5866F782-5852-4C4E-B3FE-2AD687E8AC1B}"/>
+                <a16:creationId xmlns:a16="http://schemas.microsoft.com/office/drawing/2014/main" id="{5866F782-5852-4C4E-B3FE-2AD687E8AC1B}"/>
               </a:ext>
             </a:extLst>
           </p:cNvPr>
@@ -19701,7 +19701,7 @@
           <p:cNvPr id="11" name="îṧḷïďé">
             <a:extLst>
               <a:ext uri="{FF2B5EF4-FFF2-40B4-BE49-F238E27FC236}">
-                <a16:creationId xmlns:a16="http://schemas.microsoft.com/office/drawing/2014/main" xmlns:p14="http://schemas.microsoft.com/office/powerpoint/2010/main" xmlns="" id="{3CCCD118-A808-47B5-869B-310AF975DC9C}"/>
+                <a16:creationId xmlns:a16="http://schemas.microsoft.com/office/drawing/2014/main" id="{3CCCD118-A808-47B5-869B-310AF975DC9C}"/>
               </a:ext>
             </a:extLst>
           </p:cNvPr>
@@ -20324,7 +20324,7 @@
           <p:cNvPr id="7" name="图形 6">
             <a:extLst>
               <a:ext uri="{FF2B5EF4-FFF2-40B4-BE49-F238E27FC236}">
-                <a16:creationId xmlns:a16="http://schemas.microsoft.com/office/drawing/2014/main" xmlns:p14="http://schemas.microsoft.com/office/powerpoint/2010/main" xmlns:asvg="http://schemas.microsoft.com/office/drawing/2016/SVG/main" xmlns:a14="http://schemas.microsoft.com/office/drawing/2010/main" xmlns="" id="{37FD3212-B501-40F5-B4E2-BF2742F651CB}"/>
+                <a16:creationId xmlns:a16="http://schemas.microsoft.com/office/drawing/2014/main" id="{37FD3212-B501-40F5-B4E2-BF2742F651CB}"/>
               </a:ext>
             </a:extLst>
           </p:cNvPr>
@@ -20340,7 +20340,7 @@
                 <a14:useLocalDpi xmlns:a14="http://schemas.microsoft.com/office/drawing/2010/main"/>
               </a:ext>
               <a:ext uri="{96DAC541-7B7A-43D3-8B79-37D633B846F1}">
-                <asvg:svgBlip xmlns:asvg="http://schemas.microsoft.com/office/drawing/2016/SVG/main" xmlns:p14="http://schemas.microsoft.com/office/powerpoint/2010/main" xmlns:a14="http://schemas.microsoft.com/office/drawing/2010/main" xmlns:a16="http://schemas.microsoft.com/office/drawing/2014/main" xmlns="" r:embed="rId3"/>
+                <asvg:svgBlip xmlns:asvg="http://schemas.microsoft.com/office/drawing/2016/SVG/main" r:embed="rId3"/>
               </a:ext>
             </a:extLst>
           </a:blip>
@@ -20362,7 +20362,7 @@
           <p:cNvPr id="2" name="标题 1">
             <a:extLst>
               <a:ext uri="{FF2B5EF4-FFF2-40B4-BE49-F238E27FC236}">
-                <a16:creationId xmlns:a16="http://schemas.microsoft.com/office/drawing/2014/main" xmlns:p14="http://schemas.microsoft.com/office/powerpoint/2010/main" xmlns:asvg="http://schemas.microsoft.com/office/drawing/2016/SVG/main" xmlns:a14="http://schemas.microsoft.com/office/drawing/2010/main" xmlns="" id="{000C7662-4F6D-4B06-BB36-235FC06BF816}"/>
+                <a16:creationId xmlns:a16="http://schemas.microsoft.com/office/drawing/2014/main" id="{000C7662-4F6D-4B06-BB36-235FC06BF816}"/>
               </a:ext>
             </a:extLst>
           </p:cNvPr>
@@ -20407,7 +20407,7 @@
           <p:cNvPr id="3" name="文本占位符 2">
             <a:extLst>
               <a:ext uri="{FF2B5EF4-FFF2-40B4-BE49-F238E27FC236}">
-                <a16:creationId xmlns:a16="http://schemas.microsoft.com/office/drawing/2014/main" xmlns:p14="http://schemas.microsoft.com/office/powerpoint/2010/main" xmlns:asvg="http://schemas.microsoft.com/office/drawing/2016/SVG/main" xmlns:a14="http://schemas.microsoft.com/office/drawing/2010/main" xmlns="" id="{9FF9930E-40DF-417D-8161-BD38EB172DC1}"/>
+                <a16:creationId xmlns:a16="http://schemas.microsoft.com/office/drawing/2014/main" id="{9FF9930E-40DF-417D-8161-BD38EB172DC1}"/>
               </a:ext>
             </a:extLst>
           </p:cNvPr>
@@ -20535,7 +20535,7 @@
           <p:cNvPr id="4" name="日期占位符 3">
             <a:extLst>
               <a:ext uri="{FF2B5EF4-FFF2-40B4-BE49-F238E27FC236}">
-                <a16:creationId xmlns:a16="http://schemas.microsoft.com/office/drawing/2014/main" xmlns:p14="http://schemas.microsoft.com/office/powerpoint/2010/main" xmlns:asvg="http://schemas.microsoft.com/office/drawing/2016/SVG/main" xmlns:a14="http://schemas.microsoft.com/office/drawing/2010/main" xmlns="" id="{E5279D9A-DC49-4C12-80D3-3D89C2783F3A}"/>
+                <a16:creationId xmlns:a16="http://schemas.microsoft.com/office/drawing/2014/main" id="{E5279D9A-DC49-4C12-80D3-3D89C2783F3A}"/>
               </a:ext>
             </a:extLst>
           </p:cNvPr>
@@ -20553,7 +20553,7 @@
           <a:p>
             <a:fld id="{6834F10D-3A58-4285-A9DB-D9098A7BEDDD}" type="datetime1">
               <a:rPr lang="zh-CN" altLang="en-US" smtClean="0"/>
-              <a:t>2023/6/19</a:t>
+              <a:t>2023/6/21</a:t>
             </a:fld>
             <a:endParaRPr lang="zh-CN" altLang="en-US"/>
           </a:p>
@@ -20564,7 +20564,7 @@
           <p:cNvPr id="5" name="页脚占位符 4">
             <a:extLst>
               <a:ext uri="{FF2B5EF4-FFF2-40B4-BE49-F238E27FC236}">
-                <a16:creationId xmlns:a16="http://schemas.microsoft.com/office/drawing/2014/main" xmlns:p14="http://schemas.microsoft.com/office/powerpoint/2010/main" xmlns:asvg="http://schemas.microsoft.com/office/drawing/2016/SVG/main" xmlns:a14="http://schemas.microsoft.com/office/drawing/2010/main" xmlns="" id="{51EF8C95-8814-4768-850F-851B6434A9EE}"/>
+                <a16:creationId xmlns:a16="http://schemas.microsoft.com/office/drawing/2014/main" id="{51EF8C95-8814-4768-850F-851B6434A9EE}"/>
               </a:ext>
             </a:extLst>
           </p:cNvPr>
@@ -20589,7 +20589,7 @@
           <p:cNvPr id="6" name="灯片编号占位符 5">
             <a:extLst>
               <a:ext uri="{FF2B5EF4-FFF2-40B4-BE49-F238E27FC236}">
-                <a16:creationId xmlns:a16="http://schemas.microsoft.com/office/drawing/2014/main" xmlns:p14="http://schemas.microsoft.com/office/powerpoint/2010/main" xmlns:asvg="http://schemas.microsoft.com/office/drawing/2016/SVG/main" xmlns:a14="http://schemas.microsoft.com/office/drawing/2010/main" xmlns="" id="{D894C1D7-7C5A-49B3-9D05-119C615E16B1}"/>
+                <a16:creationId xmlns:a16="http://schemas.microsoft.com/office/drawing/2014/main" id="{D894C1D7-7C5A-49B3-9D05-119C615E16B1}"/>
               </a:ext>
             </a:extLst>
           </p:cNvPr>
@@ -20618,7 +20618,7 @@
           <p:cNvPr id="17" name="组合 16">
             <a:extLst>
               <a:ext uri="{FF2B5EF4-FFF2-40B4-BE49-F238E27FC236}">
-                <a16:creationId xmlns:a16="http://schemas.microsoft.com/office/drawing/2014/main" xmlns:p14="http://schemas.microsoft.com/office/powerpoint/2010/main" xmlns:asvg="http://schemas.microsoft.com/office/drawing/2016/SVG/main" xmlns:a14="http://schemas.microsoft.com/office/drawing/2010/main" xmlns="" id="{6A6C8073-108D-B9E1-1C86-684353234AE8}"/>
+                <a16:creationId xmlns:a16="http://schemas.microsoft.com/office/drawing/2014/main" id="{6A6C8073-108D-B9E1-1C86-684353234AE8}"/>
               </a:ext>
             </a:extLst>
           </p:cNvPr>
@@ -20638,7 +20638,7 @@
             <p:cNvPr id="8" name="îslîḋê">
               <a:extLst>
                 <a:ext uri="{FF2B5EF4-FFF2-40B4-BE49-F238E27FC236}">
-                  <a16:creationId xmlns:a16="http://schemas.microsoft.com/office/drawing/2014/main" xmlns:p14="http://schemas.microsoft.com/office/powerpoint/2010/main" xmlns:asvg="http://schemas.microsoft.com/office/drawing/2016/SVG/main" xmlns:a14="http://schemas.microsoft.com/office/drawing/2010/main" xmlns="" id="{876BB518-D75D-5CEE-8B0D-757D132663EF}"/>
+                  <a16:creationId xmlns:a16="http://schemas.microsoft.com/office/drawing/2014/main" id="{876BB518-D75D-5CEE-8B0D-757D132663EF}"/>
                 </a:ext>
               </a:extLst>
             </p:cNvPr>
@@ -23164,7 +23164,7 @@
             <p:cNvPr id="10" name="îṡ1iḑê">
               <a:extLst>
                 <a:ext uri="{FF2B5EF4-FFF2-40B4-BE49-F238E27FC236}">
-                  <a16:creationId xmlns:a16="http://schemas.microsoft.com/office/drawing/2014/main" xmlns:p14="http://schemas.microsoft.com/office/powerpoint/2010/main" xmlns:asvg="http://schemas.microsoft.com/office/drawing/2016/SVG/main" xmlns:a14="http://schemas.microsoft.com/office/drawing/2010/main" xmlns="" id="{4F3408B2-E18A-D6E8-4923-5E8F6BC7FA51}"/>
+                  <a16:creationId xmlns:a16="http://schemas.microsoft.com/office/drawing/2014/main" id="{4F3408B2-E18A-D6E8-4923-5E8F6BC7FA51}"/>
                 </a:ext>
               </a:extLst>
             </p:cNvPr>
@@ -24124,7 +24124,7 @@
             <p:cNvPr id="12" name="íŝľiḓé">
               <a:extLst>
                 <a:ext uri="{FF2B5EF4-FFF2-40B4-BE49-F238E27FC236}">
-                  <a16:creationId xmlns:a16="http://schemas.microsoft.com/office/drawing/2014/main" xmlns:p14="http://schemas.microsoft.com/office/powerpoint/2010/main" xmlns:asvg="http://schemas.microsoft.com/office/drawing/2016/SVG/main" xmlns:a14="http://schemas.microsoft.com/office/drawing/2010/main" xmlns="" id="{023DEF9C-2B48-E073-0745-CCBEC04BB5FD}"/>
+                  <a16:creationId xmlns:a16="http://schemas.microsoft.com/office/drawing/2014/main" id="{023DEF9C-2B48-E073-0745-CCBEC04BB5FD}"/>
                 </a:ext>
               </a:extLst>
             </p:cNvPr>
@@ -25158,7 +25158,7 @@
             <p:cNvPr id="14" name="ï$ḷïdê">
               <a:extLst>
                 <a:ext uri="{FF2B5EF4-FFF2-40B4-BE49-F238E27FC236}">
-                  <a16:creationId xmlns:a16="http://schemas.microsoft.com/office/drawing/2014/main" xmlns:p14="http://schemas.microsoft.com/office/powerpoint/2010/main" xmlns:asvg="http://schemas.microsoft.com/office/drawing/2016/SVG/main" xmlns:a14="http://schemas.microsoft.com/office/drawing/2010/main" xmlns="" id="{CD902594-D356-934B-3781-A04472C31BCB}"/>
+                  <a16:creationId xmlns:a16="http://schemas.microsoft.com/office/drawing/2014/main" id="{CD902594-D356-934B-3781-A04472C31BCB}"/>
                 </a:ext>
               </a:extLst>
             </p:cNvPr>
@@ -38490,7 +38490,7 @@
           <p:cNvPr id="19" name="iSḻiḋê">
             <a:extLst>
               <a:ext uri="{FF2B5EF4-FFF2-40B4-BE49-F238E27FC236}">
-                <a16:creationId xmlns:a16="http://schemas.microsoft.com/office/drawing/2014/main" xmlns:p14="http://schemas.microsoft.com/office/powerpoint/2010/main" xmlns:asvg="http://schemas.microsoft.com/office/drawing/2016/SVG/main" xmlns:a14="http://schemas.microsoft.com/office/drawing/2010/main" xmlns="" id="{A4AC15EA-DEF0-1E0A-BF25-0A62D3E2396E}"/>
+                <a16:creationId xmlns:a16="http://schemas.microsoft.com/office/drawing/2014/main" id="{A4AC15EA-DEF0-1E0A-BF25-0A62D3E2396E}"/>
               </a:ext>
             </a:extLst>
           </p:cNvPr>
@@ -40909,7 +40909,7 @@
           <p:cNvPr id="20" name="îṩlîḑé">
             <a:extLst>
               <a:ext uri="{FF2B5EF4-FFF2-40B4-BE49-F238E27FC236}">
-                <a16:creationId xmlns:a16="http://schemas.microsoft.com/office/drawing/2014/main" xmlns:p14="http://schemas.microsoft.com/office/powerpoint/2010/main" xmlns:asvg="http://schemas.microsoft.com/office/drawing/2016/SVG/main" xmlns:a14="http://schemas.microsoft.com/office/drawing/2010/main" xmlns="" id="{AF776640-18D6-B6B7-4625-E92593D3D1A2}"/>
+                <a16:creationId xmlns:a16="http://schemas.microsoft.com/office/drawing/2014/main" id="{AF776640-18D6-B6B7-4625-E92593D3D1A2}"/>
               </a:ext>
             </a:extLst>
           </p:cNvPr>
@@ -45352,7 +45352,7 @@
           <p:cNvPr id="21" name="i$1iďé">
             <a:extLst>
               <a:ext uri="{FF2B5EF4-FFF2-40B4-BE49-F238E27FC236}">
-                <a16:creationId xmlns:a16="http://schemas.microsoft.com/office/drawing/2014/main" xmlns:p14="http://schemas.microsoft.com/office/powerpoint/2010/main" xmlns:asvg="http://schemas.microsoft.com/office/drawing/2016/SVG/main" xmlns:a14="http://schemas.microsoft.com/office/drawing/2010/main" xmlns="" id="{20AE3F91-63AD-622D-3D09-BF2B27E1ED6D}"/>
+                <a16:creationId xmlns:a16="http://schemas.microsoft.com/office/drawing/2014/main" id="{20AE3F91-63AD-622D-3D09-BF2B27E1ED6D}"/>
               </a:ext>
             </a:extLst>
           </p:cNvPr>
@@ -46425,7 +46425,7 @@
           <p:cNvPr id="2" name="标题 1">
             <a:extLst>
               <a:ext uri="{FF2B5EF4-FFF2-40B4-BE49-F238E27FC236}">
-                <a16:creationId xmlns:a16="http://schemas.microsoft.com/office/drawing/2014/main" xmlns:p14="http://schemas.microsoft.com/office/powerpoint/2010/main" xmlns="" id="{652EDE83-63CC-4B33-B715-3953EADE2100}"/>
+                <a16:creationId xmlns:a16="http://schemas.microsoft.com/office/drawing/2014/main" id="{652EDE83-63CC-4B33-B715-3953EADE2100}"/>
               </a:ext>
             </a:extLst>
           </p:cNvPr>
@@ -46454,7 +46454,7 @@
           <p:cNvPr id="3" name="日期占位符 2">
             <a:extLst>
               <a:ext uri="{FF2B5EF4-FFF2-40B4-BE49-F238E27FC236}">
-                <a16:creationId xmlns:a16="http://schemas.microsoft.com/office/drawing/2014/main" xmlns:p14="http://schemas.microsoft.com/office/powerpoint/2010/main" xmlns="" id="{1514619F-25D0-4307-81CD-C24C74EF140E}"/>
+                <a16:creationId xmlns:a16="http://schemas.microsoft.com/office/drawing/2014/main" id="{1514619F-25D0-4307-81CD-C24C74EF140E}"/>
               </a:ext>
             </a:extLst>
           </p:cNvPr>
@@ -46472,7 +46472,7 @@
           <a:p>
             <a:fld id="{748B5987-9647-4253-899C-3B9819D6D8A0}" type="datetime1">
               <a:rPr lang="zh-CN" altLang="en-US" smtClean="0"/>
-              <a:t>2023/6/19</a:t>
+              <a:t>2023/6/21</a:t>
             </a:fld>
             <a:endParaRPr lang="zh-CN" altLang="en-US"/>
           </a:p>
@@ -46483,7 +46483,7 @@
           <p:cNvPr id="4" name="页脚占位符 3">
             <a:extLst>
               <a:ext uri="{FF2B5EF4-FFF2-40B4-BE49-F238E27FC236}">
-                <a16:creationId xmlns:a16="http://schemas.microsoft.com/office/drawing/2014/main" xmlns:p14="http://schemas.microsoft.com/office/powerpoint/2010/main" xmlns="" id="{C802B25F-898B-4C1A-94A9-699B8B55DF0F}"/>
+                <a16:creationId xmlns:a16="http://schemas.microsoft.com/office/drawing/2014/main" id="{C802B25F-898B-4C1A-94A9-699B8B55DF0F}"/>
               </a:ext>
             </a:extLst>
           </p:cNvPr>
@@ -46508,7 +46508,7 @@
           <p:cNvPr id="5" name="灯片编号占位符 4">
             <a:extLst>
               <a:ext uri="{FF2B5EF4-FFF2-40B4-BE49-F238E27FC236}">
-                <a16:creationId xmlns:a16="http://schemas.microsoft.com/office/drawing/2014/main" xmlns:p14="http://schemas.microsoft.com/office/powerpoint/2010/main" xmlns="" id="{AA842F0A-76EB-4E77-8AF6-5F91F22881FE}"/>
+                <a16:creationId xmlns:a16="http://schemas.microsoft.com/office/drawing/2014/main" id="{AA842F0A-76EB-4E77-8AF6-5F91F22881FE}"/>
               </a:ext>
             </a:extLst>
           </p:cNvPr>
@@ -46567,7 +46567,7 @@
           <p:cNvPr id="2" name="日期占位符 1">
             <a:extLst>
               <a:ext uri="{FF2B5EF4-FFF2-40B4-BE49-F238E27FC236}">
-                <a16:creationId xmlns:a16="http://schemas.microsoft.com/office/drawing/2014/main" xmlns:p14="http://schemas.microsoft.com/office/powerpoint/2010/main" xmlns="" id="{9C9D6027-F7C7-4EF3-85DD-09E27ACEEACA}"/>
+                <a16:creationId xmlns:a16="http://schemas.microsoft.com/office/drawing/2014/main" id="{9C9D6027-F7C7-4EF3-85DD-09E27ACEEACA}"/>
               </a:ext>
             </a:extLst>
           </p:cNvPr>
@@ -46585,7 +46585,7 @@
           <a:p>
             <a:fld id="{A50ECBEB-8597-4EA4-9D29-E1D7025CFAA0}" type="datetime1">
               <a:rPr lang="zh-CN" altLang="en-US" smtClean="0"/>
-              <a:t>2023/6/19</a:t>
+              <a:t>2023/6/21</a:t>
             </a:fld>
             <a:endParaRPr lang="zh-CN" altLang="en-US"/>
           </a:p>
@@ -46596,7 +46596,7 @@
           <p:cNvPr id="3" name="页脚占位符 2">
             <a:extLst>
               <a:ext uri="{FF2B5EF4-FFF2-40B4-BE49-F238E27FC236}">
-                <a16:creationId xmlns:a16="http://schemas.microsoft.com/office/drawing/2014/main" xmlns:p14="http://schemas.microsoft.com/office/powerpoint/2010/main" xmlns="" id="{66262BA1-A5A7-45F4-B365-E880E1C324C3}"/>
+                <a16:creationId xmlns:a16="http://schemas.microsoft.com/office/drawing/2014/main" id="{66262BA1-A5A7-45F4-B365-E880E1C324C3}"/>
               </a:ext>
             </a:extLst>
           </p:cNvPr>
@@ -46621,7 +46621,7 @@
           <p:cNvPr id="4" name="灯片编号占位符 3">
             <a:extLst>
               <a:ext uri="{FF2B5EF4-FFF2-40B4-BE49-F238E27FC236}">
-                <a16:creationId xmlns:a16="http://schemas.microsoft.com/office/drawing/2014/main" xmlns:p14="http://schemas.microsoft.com/office/powerpoint/2010/main" xmlns="" id="{F80CF1E8-0939-4B4D-A4D3-E47E208FC47E}"/>
+                <a16:creationId xmlns:a16="http://schemas.microsoft.com/office/drawing/2014/main" id="{F80CF1E8-0939-4B4D-A4D3-E47E208FC47E}"/>
               </a:ext>
             </a:extLst>
           </p:cNvPr>
@@ -46680,7 +46680,7 @@
           <p:cNvPr id="5" name="图形 4">
             <a:extLst>
               <a:ext uri="{FF2B5EF4-FFF2-40B4-BE49-F238E27FC236}">
-                <a16:creationId xmlns:a16="http://schemas.microsoft.com/office/drawing/2014/main" xmlns:p14="http://schemas.microsoft.com/office/powerpoint/2010/main" xmlns:asvg="http://schemas.microsoft.com/office/drawing/2016/SVG/main" xmlns:a14="http://schemas.microsoft.com/office/drawing/2010/main" xmlns="" id="{93AE9A30-5739-482E-893A-6AF48B1B51CA}"/>
+                <a16:creationId xmlns:a16="http://schemas.microsoft.com/office/drawing/2014/main" id="{93AE9A30-5739-482E-893A-6AF48B1B51CA}"/>
               </a:ext>
             </a:extLst>
           </p:cNvPr>
@@ -46696,7 +46696,7 @@
                 <a14:useLocalDpi xmlns:a14="http://schemas.microsoft.com/office/drawing/2010/main"/>
               </a:ext>
               <a:ext uri="{96DAC541-7B7A-43D3-8B79-37D633B846F1}">
-                <asvg:svgBlip xmlns:asvg="http://schemas.microsoft.com/office/drawing/2016/SVG/main" xmlns:p14="http://schemas.microsoft.com/office/powerpoint/2010/main" xmlns:a14="http://schemas.microsoft.com/office/drawing/2010/main" xmlns:a16="http://schemas.microsoft.com/office/drawing/2014/main" xmlns="" r:embed="rId3"/>
+                <asvg:svgBlip xmlns:asvg="http://schemas.microsoft.com/office/drawing/2016/SVG/main" r:embed="rId3"/>
               </a:ext>
             </a:extLst>
           </a:blip>
@@ -46718,7 +46718,7 @@
           <p:cNvPr id="7" name="文本占位符 6">
             <a:extLst>
               <a:ext uri="{FF2B5EF4-FFF2-40B4-BE49-F238E27FC236}">
-                <a16:creationId xmlns:a16="http://schemas.microsoft.com/office/drawing/2014/main" xmlns:p14="http://schemas.microsoft.com/office/powerpoint/2010/main" xmlns:asvg="http://schemas.microsoft.com/office/drawing/2016/SVG/main" xmlns:a14="http://schemas.microsoft.com/office/drawing/2010/main" xmlns="" id="{C2320649-ACD7-42E9-A261-E6ED46ACB452}"/>
+                <a16:creationId xmlns:a16="http://schemas.microsoft.com/office/drawing/2014/main" id="{C2320649-ACD7-42E9-A261-E6ED46ACB452}"/>
               </a:ext>
             </a:extLst>
           </p:cNvPr>
@@ -46794,7 +46794,7 @@
           <p:cNvPr id="8" name="文本占位符 7">
             <a:extLst>
               <a:ext uri="{FF2B5EF4-FFF2-40B4-BE49-F238E27FC236}">
-                <a16:creationId xmlns:a16="http://schemas.microsoft.com/office/drawing/2014/main" xmlns:p14="http://schemas.microsoft.com/office/powerpoint/2010/main" xmlns:asvg="http://schemas.microsoft.com/office/drawing/2016/SVG/main" xmlns:a14="http://schemas.microsoft.com/office/drawing/2010/main" xmlns="" id="{DC428848-58C6-4501-8214-B803889F273E}"/>
+                <a16:creationId xmlns:a16="http://schemas.microsoft.com/office/drawing/2014/main" id="{DC428848-58C6-4501-8214-B803889F273E}"/>
               </a:ext>
             </a:extLst>
           </p:cNvPr>
@@ -46850,7 +46850,7 @@
           <p:cNvPr id="9" name="文本占位符 8">
             <a:extLst>
               <a:ext uri="{FF2B5EF4-FFF2-40B4-BE49-F238E27FC236}">
-                <a16:creationId xmlns:a16="http://schemas.microsoft.com/office/drawing/2014/main" xmlns:p14="http://schemas.microsoft.com/office/powerpoint/2010/main" xmlns:asvg="http://schemas.microsoft.com/office/drawing/2016/SVG/main" xmlns:a14="http://schemas.microsoft.com/office/drawing/2010/main" xmlns="" id="{A01EED25-4D2A-435D-A5F9-01DCC2F07486}"/>
+                <a16:creationId xmlns:a16="http://schemas.microsoft.com/office/drawing/2014/main" id="{A01EED25-4D2A-435D-A5F9-01DCC2F07486}"/>
               </a:ext>
             </a:extLst>
           </p:cNvPr>
@@ -46907,7 +46907,7 @@
           <p:cNvPr id="2" name="îṣľïḍè">
             <a:extLst>
               <a:ext uri="{FF2B5EF4-FFF2-40B4-BE49-F238E27FC236}">
-                <a16:creationId xmlns:a16="http://schemas.microsoft.com/office/drawing/2014/main" xmlns:p14="http://schemas.microsoft.com/office/powerpoint/2010/main" xmlns:asvg="http://schemas.microsoft.com/office/drawing/2016/SVG/main" xmlns:a14="http://schemas.microsoft.com/office/drawing/2010/main" xmlns="" id="{861648FD-4D84-22D5-186E-99D5A5B06C8D}"/>
+                <a16:creationId xmlns:a16="http://schemas.microsoft.com/office/drawing/2014/main" id="{861648FD-4D84-22D5-186E-99D5A5B06C8D}"/>
               </a:ext>
             </a:extLst>
           </p:cNvPr>
@@ -49450,7 +49450,7 @@
           <p:cNvPr id="8" name="图形 7">
             <a:extLst>
               <a:ext uri="{FF2B5EF4-FFF2-40B4-BE49-F238E27FC236}">
-                <a16:creationId xmlns:a16="http://schemas.microsoft.com/office/drawing/2014/main" xmlns:p15="http://schemas.microsoft.com/office/powerpoint/2012/main" xmlns:p14="http://schemas.microsoft.com/office/powerpoint/2010/main" xmlns:asvg="http://schemas.microsoft.com/office/drawing/2016/SVG/main" xmlns:a14="http://schemas.microsoft.com/office/drawing/2010/main" xmlns="" id="{54A81588-9CC8-5705-EE6F-815F2FE67F7F}"/>
+                <a16:creationId xmlns:a16="http://schemas.microsoft.com/office/drawing/2014/main" id="{54A81588-9CC8-5705-EE6F-815F2FE67F7F}"/>
               </a:ext>
             </a:extLst>
           </p:cNvPr>
@@ -49466,7 +49466,7 @@
                 <a14:useLocalDpi xmlns:a14="http://schemas.microsoft.com/office/drawing/2010/main"/>
               </a:ext>
               <a:ext uri="{96DAC541-7B7A-43D3-8B79-37D633B846F1}">
-                <asvg:svgBlip xmlns:asvg="http://schemas.microsoft.com/office/drawing/2016/SVG/main" xmlns:p15="http://schemas.microsoft.com/office/powerpoint/2012/main" xmlns:p14="http://schemas.microsoft.com/office/powerpoint/2010/main" xmlns:a14="http://schemas.microsoft.com/office/drawing/2010/main" xmlns:a16="http://schemas.microsoft.com/office/drawing/2014/main" xmlns="" r:embed="rId10"/>
+                <asvg:svgBlip xmlns:asvg="http://schemas.microsoft.com/office/drawing/2016/SVG/main" r:embed="rId10"/>
               </a:ext>
             </a:extLst>
           </a:blip>
@@ -49488,7 +49488,7 @@
           <p:cNvPr id="9" name="ïśľîďé">
             <a:extLst>
               <a:ext uri="{FF2B5EF4-FFF2-40B4-BE49-F238E27FC236}">
-                <a16:creationId xmlns:a16="http://schemas.microsoft.com/office/drawing/2014/main" xmlns:p15="http://schemas.microsoft.com/office/powerpoint/2012/main" xmlns:p14="http://schemas.microsoft.com/office/powerpoint/2010/main" xmlns:asvg="http://schemas.microsoft.com/office/drawing/2016/SVG/main" xmlns:a14="http://schemas.microsoft.com/office/drawing/2010/main" xmlns="" id="{4BEA18F7-B1EF-0F5B-207E-6D1B1A68D7C5}"/>
+                <a16:creationId xmlns:a16="http://schemas.microsoft.com/office/drawing/2014/main" id="{4BEA18F7-B1EF-0F5B-207E-6D1B1A68D7C5}"/>
               </a:ext>
             </a:extLst>
           </p:cNvPr>
@@ -49540,7 +49540,7 @@
           <p:cNvPr id="2" name="标题占位符 1">
             <a:extLst>
               <a:ext uri="{FF2B5EF4-FFF2-40B4-BE49-F238E27FC236}">
-                <a16:creationId xmlns:a16="http://schemas.microsoft.com/office/drawing/2014/main" xmlns:p15="http://schemas.microsoft.com/office/powerpoint/2012/main" xmlns:p14="http://schemas.microsoft.com/office/powerpoint/2010/main" xmlns:asvg="http://schemas.microsoft.com/office/drawing/2016/SVG/main" xmlns:a14="http://schemas.microsoft.com/office/drawing/2010/main" xmlns="" id="{89307103-D92B-4D3C-B386-9FD58793CACA}"/>
+                <a16:creationId xmlns:a16="http://schemas.microsoft.com/office/drawing/2014/main" id="{89307103-D92B-4D3C-B386-9FD58793CACA}"/>
               </a:ext>
             </a:extLst>
           </p:cNvPr>
@@ -49580,7 +49580,7 @@
           <p:cNvPr id="3" name="文本占位符 2">
             <a:extLst>
               <a:ext uri="{FF2B5EF4-FFF2-40B4-BE49-F238E27FC236}">
-                <a16:creationId xmlns:a16="http://schemas.microsoft.com/office/drawing/2014/main" xmlns:p15="http://schemas.microsoft.com/office/powerpoint/2012/main" xmlns:p14="http://schemas.microsoft.com/office/powerpoint/2010/main" xmlns:asvg="http://schemas.microsoft.com/office/drawing/2016/SVG/main" xmlns:a14="http://schemas.microsoft.com/office/drawing/2010/main" xmlns="" id="{0F8920D0-E0E5-40BB-AEDA-3D7A0909240E}"/>
+                <a16:creationId xmlns:a16="http://schemas.microsoft.com/office/drawing/2014/main" id="{0F8920D0-E0E5-40BB-AEDA-3D7A0909240E}"/>
               </a:ext>
             </a:extLst>
           </p:cNvPr>
@@ -49648,7 +49648,7 @@
           <p:cNvPr id="5" name="页脚占位符 4">
             <a:extLst>
               <a:ext uri="{FF2B5EF4-FFF2-40B4-BE49-F238E27FC236}">
-                <a16:creationId xmlns:a16="http://schemas.microsoft.com/office/drawing/2014/main" xmlns:p15="http://schemas.microsoft.com/office/powerpoint/2012/main" xmlns:p14="http://schemas.microsoft.com/office/powerpoint/2010/main" xmlns:asvg="http://schemas.microsoft.com/office/drawing/2016/SVG/main" xmlns:a14="http://schemas.microsoft.com/office/drawing/2010/main" xmlns="" id="{10B16C00-AE39-4635-9F10-B7233D2AC2F8}"/>
+                <a16:creationId xmlns:a16="http://schemas.microsoft.com/office/drawing/2014/main" id="{10B16C00-AE39-4635-9F10-B7233D2AC2F8}"/>
               </a:ext>
             </a:extLst>
           </p:cNvPr>
@@ -49692,7 +49692,7 @@
           <p:cNvPr id="4" name="日期占位符 3">
             <a:extLst>
               <a:ext uri="{FF2B5EF4-FFF2-40B4-BE49-F238E27FC236}">
-                <a16:creationId xmlns:a16="http://schemas.microsoft.com/office/drawing/2014/main" xmlns:p15="http://schemas.microsoft.com/office/powerpoint/2012/main" xmlns:p14="http://schemas.microsoft.com/office/powerpoint/2010/main" xmlns:asvg="http://schemas.microsoft.com/office/drawing/2016/SVG/main" xmlns:a14="http://schemas.microsoft.com/office/drawing/2010/main" xmlns="" id="{0C12D871-753D-4991-B44B-EFAE9F8682B5}"/>
+                <a16:creationId xmlns:a16="http://schemas.microsoft.com/office/drawing/2014/main" id="{0C12D871-753D-4991-B44B-EFAE9F8682B5}"/>
               </a:ext>
             </a:extLst>
           </p:cNvPr>
@@ -49729,7 +49729,7 @@
           <a:p>
             <a:fld id="{3EBAC152-C384-4126-A41C-02F34DED3069}" type="datetime1">
               <a:rPr lang="zh-CN" altLang="en-US" smtClean="0"/>
-              <a:t>2023/6/19</a:t>
+              <a:t>2023/6/21</a:t>
             </a:fld>
             <a:endParaRPr lang="en-US" altLang="zh-CN"/>
           </a:p>
@@ -49740,7 +49740,7 @@
           <p:cNvPr id="6" name="灯片编号占位符 5">
             <a:extLst>
               <a:ext uri="{FF2B5EF4-FFF2-40B4-BE49-F238E27FC236}">
-                <a16:creationId xmlns:a16="http://schemas.microsoft.com/office/drawing/2014/main" xmlns:p15="http://schemas.microsoft.com/office/powerpoint/2012/main" xmlns:p14="http://schemas.microsoft.com/office/powerpoint/2010/main" xmlns:asvg="http://schemas.microsoft.com/office/drawing/2016/SVG/main" xmlns:a14="http://schemas.microsoft.com/office/drawing/2010/main" xmlns="" id="{6D23E9ED-4E00-42D1-BFBF-5EBD27D29806}"/>
+                <a16:creationId xmlns:a16="http://schemas.microsoft.com/office/drawing/2014/main" id="{6D23E9ED-4E00-42D1-BFBF-5EBD27D29806}"/>
               </a:ext>
             </a:extLst>
           </p:cNvPr>
@@ -50143,7 +50143,7 @@
           <p:cNvPr id="11" name="íṥḻîḋe">
             <a:extLst>
               <a:ext uri="{FF2B5EF4-FFF2-40B4-BE49-F238E27FC236}">
-                <a16:creationId xmlns:a16="http://schemas.microsoft.com/office/drawing/2014/main" xmlns:p14="http://schemas.microsoft.com/office/powerpoint/2010/main" xmlns:a14="http://schemas.microsoft.com/office/drawing/2010/main" xmlns="" id="{7E21516B-4ABB-4E09-987D-1ABA411225D2}"/>
+                <a16:creationId xmlns:a16="http://schemas.microsoft.com/office/drawing/2014/main" id="{7E21516B-4ABB-4E09-987D-1ABA411225D2}"/>
               </a:ext>
             </a:extLst>
           </p:cNvPr>
@@ -50160,20 +50160,8 @@
           <a:lstStyle/>
           <a:p>
             <a:r>
-              <a:rPr lang="zh-CN" altLang="en-US" smtClean="0"/>
-              <a:t>会</a:t>
-            </a:r>
-            <a:r>
               <a:rPr lang="zh-CN" altLang="en-US"/>
-              <a:t>东县</a:t>
-            </a:r>
-            <a:r>
-              <a:rPr lang="zh-CN" altLang="en-US" smtClean="0"/>
-              <a:t>满</a:t>
-            </a:r>
-            <a:r>
-              <a:rPr lang="zh-CN" altLang="en-US" smtClean="0"/>
-              <a:t>银沟镇人民政府</a:t>
+              <a:t>会东县满银沟镇人民政府</a:t>
             </a:r>
             <a:endParaRPr lang="en-GB" altLang="zh-CN" dirty="0"/>
           </a:p>
@@ -50184,7 +50172,7 @@
           <p:cNvPr id="12" name="ïṡļïḑe">
             <a:extLst>
               <a:ext uri="{FF2B5EF4-FFF2-40B4-BE49-F238E27FC236}">
-                <a16:creationId xmlns:a16="http://schemas.microsoft.com/office/drawing/2014/main" xmlns:p14="http://schemas.microsoft.com/office/powerpoint/2010/main" xmlns:a14="http://schemas.microsoft.com/office/drawing/2010/main" xmlns="" id="{BFF7D8B0-524B-4065-95EB-00BAEDA26918}"/>
+                <a16:creationId xmlns:a16="http://schemas.microsoft.com/office/drawing/2014/main" id="{BFF7D8B0-524B-4065-95EB-00BAEDA26918}"/>
               </a:ext>
             </a:extLst>
           </p:cNvPr>
@@ -50202,7 +50190,7 @@
           <a:p>
             <a:fld id="{7179FFF8-E5A6-4A2B-B274-6C3D5B63ACF6}" type="datetime3">
               <a:rPr lang="zh-CN" altLang="en-US" smtClean="0"/>
-              <a:t>2023年6月19日星期一</a:t>
+              <a:t>2023年6月21日星期三</a:t>
             </a:fld>
             <a:endParaRPr lang="en-GB" altLang="zh-CN" dirty="0"/>
           </a:p>
@@ -50213,7 +50201,7 @@
           <p:cNvPr id="9" name="îṣļîḋé">
             <a:extLst>
               <a:ext uri="{FF2B5EF4-FFF2-40B4-BE49-F238E27FC236}">
-                <a16:creationId xmlns:a16="http://schemas.microsoft.com/office/drawing/2014/main" xmlns:p14="http://schemas.microsoft.com/office/powerpoint/2010/main" xmlns:a14="http://schemas.microsoft.com/office/drawing/2010/main" xmlns="" id="{6C2532AA-A647-48FF-8A25-36777AF5B18D}"/>
+                <a16:creationId xmlns:a16="http://schemas.microsoft.com/office/drawing/2014/main" id="{6C2532AA-A647-48FF-8A25-36777AF5B18D}"/>
               </a:ext>
             </a:extLst>
           </p:cNvPr>
@@ -50235,19 +50223,15 @@
           <a:lstStyle/>
           <a:p>
             <a:pPr algn="ctr"/>
-            <a:r>
-              <a:rPr lang="en-GB" altLang="zh-CN"/>
-              <a:t/>
-            </a:r>
             <a:br>
-              <a:rPr lang="en-GB" altLang="zh-CN"/>
+              <a:rPr lang="en-GB" altLang="zh-CN" dirty="0"/>
             </a:br>
             <a:r>
-              <a:rPr lang="en-GB" altLang="zh-CN" sz="100" smtClean="0"/>
+              <a:rPr lang="en-GB" altLang="zh-CN" sz="100" dirty="0"/>
               <a:t> </a:t>
             </a:r>
             <a:r>
-              <a:rPr lang="zh-CN" altLang="en-US" sz="7200" smtClean="0"/>
+              <a:rPr lang="zh-CN" altLang="en-US" sz="7200" dirty="0"/>
               <a:t>高考志愿填报与职业发展</a:t>
             </a:r>
             <a:endParaRPr lang="en-GB" altLang="zh-CN" sz="7200" dirty="0"/>
@@ -50259,7 +50243,7 @@
           <p:cNvPr id="135" name="ïṩḻîḓé">
             <a:extLst>
               <a:ext uri="{FF2B5EF4-FFF2-40B4-BE49-F238E27FC236}">
-                <a16:creationId xmlns:a16="http://schemas.microsoft.com/office/drawing/2014/main" xmlns:p14="http://schemas.microsoft.com/office/powerpoint/2010/main" xmlns:a14="http://schemas.microsoft.com/office/drawing/2010/main" xmlns="" id="{FE25411A-E0D8-4C19-BD7A-3A60E6037A86}"/>
+                <a16:creationId xmlns:a16="http://schemas.microsoft.com/office/drawing/2014/main" id="{FE25411A-E0D8-4C19-BD7A-3A60E6037A86}"/>
               </a:ext>
             </a:extLst>
           </p:cNvPr>
@@ -50276,228 +50260,10 @@
           <a:lstStyle/>
           <a:p>
             <a:r>
-              <a:rPr lang="zh-CN" altLang="en-US"/>
-              <a:t>主题</a:t>
-            </a:r>
-            <a:r>
-              <a:rPr lang="zh-CN" altLang="en-US" smtClean="0"/>
-              <a:t>会议</a:t>
+              <a:rPr lang="zh-CN" altLang="en-US" dirty="0"/>
+              <a:t>会议主题：</a:t>
             </a:r>
             <a:endParaRPr lang="en-US" altLang="zh-CN" dirty="0"/>
-          </a:p>
-        </p:txBody>
-      </p:sp>
-      <p:sp>
-        <p:nvSpPr>
-          <p:cNvPr id="96" name="iŝḻiḓé">
-            <a:extLst>
-              <a:ext uri="{FF2B5EF4-FFF2-40B4-BE49-F238E27FC236}">
-                <a16:creationId xmlns:a16="http://schemas.microsoft.com/office/drawing/2014/main" xmlns:p14="http://schemas.microsoft.com/office/powerpoint/2010/main" xmlns:a14="http://schemas.microsoft.com/office/drawing/2010/main" xmlns="" id="{4B44B5AC-8D4F-4F57-8A95-1509B7C67F1B}"/>
-              </a:ext>
-            </a:extLst>
-          </p:cNvPr>
-          <p:cNvSpPr txBox="1"/>
-          <p:nvPr/>
-        </p:nvSpPr>
-        <p:spPr>
-          <a:xfrm>
-            <a:off x="4953378" y="1924940"/>
-            <a:ext cx="3752474" cy="307777"/>
-          </a:xfrm>
-          <a:prstGeom prst="rect">
-            <a:avLst/>
-          </a:prstGeom>
-        </p:spPr>
-        <p:txBody>
-          <a:bodyPr wrap="square">
-            <a:spAutoFit/>
-          </a:bodyPr>
-          <a:lstStyle>
-            <a:lvl1pPr marL="228600" indent="-228600" algn="l" defTabSz="914400" rtl="0" eaLnBrk="1" latinLnBrk="0" hangingPunct="1">
-              <a:lnSpc>
-                <a:spcPct val="90000"/>
-              </a:lnSpc>
-              <a:spcBef>
-                <a:spcPts val="1000"/>
-              </a:spcBef>
-              <a:buFont typeface="Arial" panose="020B0604020202020204" pitchFamily="34" charset="0"/>
-              <a:buChar char="•"/>
-              <a:defRPr sz="1600" kern="1200">
-                <a:solidFill>
-                  <a:schemeClr val="tx1"/>
-                </a:solidFill>
-                <a:latin typeface="+mn-lt"/>
-                <a:ea typeface="+mn-ea"/>
-                <a:cs typeface="+mn-cs"/>
-              </a:defRPr>
-            </a:lvl1pPr>
-            <a:lvl2pPr marL="685800" indent="-228600" algn="l" defTabSz="914400" rtl="0" eaLnBrk="1" latinLnBrk="0" hangingPunct="1">
-              <a:lnSpc>
-                <a:spcPct val="90000"/>
-              </a:lnSpc>
-              <a:spcBef>
-                <a:spcPts val="500"/>
-              </a:spcBef>
-              <a:buFont typeface="Arial" panose="020B0604020202020204" pitchFamily="34" charset="0"/>
-              <a:buChar char="•"/>
-              <a:defRPr sz="1600" kern="1200">
-                <a:solidFill>
-                  <a:schemeClr val="tx1"/>
-                </a:solidFill>
-                <a:latin typeface="+mn-lt"/>
-                <a:ea typeface="+mn-ea"/>
-                <a:cs typeface="+mn-cs"/>
-              </a:defRPr>
-            </a:lvl2pPr>
-            <a:lvl3pPr marL="1143000" indent="-228600" algn="l" defTabSz="914400" rtl="0" eaLnBrk="1" latinLnBrk="0" hangingPunct="1">
-              <a:lnSpc>
-                <a:spcPct val="90000"/>
-              </a:lnSpc>
-              <a:spcBef>
-                <a:spcPts val="500"/>
-              </a:spcBef>
-              <a:buFont typeface="Arial" panose="020B0604020202020204" pitchFamily="34" charset="0"/>
-              <a:buChar char="•"/>
-              <a:defRPr sz="1600" kern="1200">
-                <a:solidFill>
-                  <a:schemeClr val="tx1"/>
-                </a:solidFill>
-                <a:latin typeface="+mn-lt"/>
-                <a:ea typeface="+mn-ea"/>
-                <a:cs typeface="+mn-cs"/>
-              </a:defRPr>
-            </a:lvl3pPr>
-            <a:lvl4pPr marL="1600200" indent="-228600" algn="l" defTabSz="914400" rtl="0" eaLnBrk="1" latinLnBrk="0" hangingPunct="1">
-              <a:lnSpc>
-                <a:spcPct val="90000"/>
-              </a:lnSpc>
-              <a:spcBef>
-                <a:spcPts val="500"/>
-              </a:spcBef>
-              <a:buFont typeface="Arial" panose="020B0604020202020204" pitchFamily="34" charset="0"/>
-              <a:buChar char="•"/>
-              <a:defRPr sz="1600" kern="1200">
-                <a:solidFill>
-                  <a:schemeClr val="tx1"/>
-                </a:solidFill>
-                <a:latin typeface="+mn-lt"/>
-                <a:ea typeface="+mn-ea"/>
-                <a:cs typeface="+mn-cs"/>
-              </a:defRPr>
-            </a:lvl4pPr>
-            <a:lvl5pPr marL="2057400" indent="-228600" algn="l" defTabSz="914400" rtl="0" eaLnBrk="1" latinLnBrk="0" hangingPunct="1">
-              <a:lnSpc>
-                <a:spcPct val="90000"/>
-              </a:lnSpc>
-              <a:spcBef>
-                <a:spcPts val="500"/>
-              </a:spcBef>
-              <a:buFont typeface="Arial" panose="020B0604020202020204" pitchFamily="34" charset="0"/>
-              <a:buChar char="•"/>
-              <a:defRPr sz="1600" kern="1200">
-                <a:solidFill>
-                  <a:schemeClr val="tx1"/>
-                </a:solidFill>
-                <a:latin typeface="+mn-lt"/>
-                <a:ea typeface="+mn-ea"/>
-                <a:cs typeface="+mn-cs"/>
-              </a:defRPr>
-            </a:lvl5pPr>
-            <a:lvl6pPr marL="2514600" indent="-228600" algn="l" defTabSz="914400" rtl="0" eaLnBrk="1" latinLnBrk="0" hangingPunct="1">
-              <a:lnSpc>
-                <a:spcPct val="90000"/>
-              </a:lnSpc>
-              <a:spcBef>
-                <a:spcPts val="500"/>
-              </a:spcBef>
-              <a:buFont typeface="Arial" panose="020B0604020202020204" pitchFamily="34" charset="0"/>
-              <a:buChar char="•"/>
-              <a:defRPr sz="1800" kern="1200">
-                <a:solidFill>
-                  <a:schemeClr val="tx1"/>
-                </a:solidFill>
-                <a:latin typeface="+mn-lt"/>
-                <a:ea typeface="+mn-ea"/>
-                <a:cs typeface="+mn-cs"/>
-              </a:defRPr>
-            </a:lvl6pPr>
-            <a:lvl7pPr marL="2971800" indent="-228600" algn="l" defTabSz="914400" rtl="0" eaLnBrk="1" latinLnBrk="0" hangingPunct="1">
-              <a:lnSpc>
-                <a:spcPct val="90000"/>
-              </a:lnSpc>
-              <a:spcBef>
-                <a:spcPts val="500"/>
-              </a:spcBef>
-              <a:buFont typeface="Arial" panose="020B0604020202020204" pitchFamily="34" charset="0"/>
-              <a:buChar char="•"/>
-              <a:defRPr sz="1800" kern="1200">
-                <a:solidFill>
-                  <a:schemeClr val="tx1"/>
-                </a:solidFill>
-                <a:latin typeface="+mn-lt"/>
-                <a:ea typeface="+mn-ea"/>
-                <a:cs typeface="+mn-cs"/>
-              </a:defRPr>
-            </a:lvl7pPr>
-            <a:lvl8pPr marL="3429000" indent="-228600" algn="l" defTabSz="914400" rtl="0" eaLnBrk="1" latinLnBrk="0" hangingPunct="1">
-              <a:lnSpc>
-                <a:spcPct val="90000"/>
-              </a:lnSpc>
-              <a:spcBef>
-                <a:spcPts val="500"/>
-              </a:spcBef>
-              <a:buFont typeface="Arial" panose="020B0604020202020204" pitchFamily="34" charset="0"/>
-              <a:buChar char="•"/>
-              <a:defRPr sz="1800" kern="1200">
-                <a:solidFill>
-                  <a:schemeClr val="tx1"/>
-                </a:solidFill>
-                <a:latin typeface="+mn-lt"/>
-                <a:ea typeface="+mn-ea"/>
-                <a:cs typeface="+mn-cs"/>
-              </a:defRPr>
-            </a:lvl8pPr>
-            <a:lvl9pPr marL="3886200" indent="-228600" algn="l" defTabSz="914400" rtl="0" eaLnBrk="1" latinLnBrk="0" hangingPunct="1">
-              <a:lnSpc>
-                <a:spcPct val="90000"/>
-              </a:lnSpc>
-              <a:spcBef>
-                <a:spcPts val="500"/>
-              </a:spcBef>
-              <a:buFont typeface="Arial" panose="020B0604020202020204" pitchFamily="34" charset="0"/>
-              <a:buChar char="•"/>
-              <a:defRPr sz="1800" kern="1200">
-                <a:solidFill>
-                  <a:schemeClr val="tx1"/>
-                </a:solidFill>
-                <a:latin typeface="+mn-lt"/>
-                <a:ea typeface="+mn-ea"/>
-                <a:cs typeface="+mn-cs"/>
-              </a:defRPr>
-            </a:lvl9pPr>
-          </a:lstStyle>
-          <a:p>
-            <a:pPr marL="0" indent="0">
-              <a:lnSpc>
-                <a:spcPct val="100000"/>
-              </a:lnSpc>
-              <a:buNone/>
-            </a:pPr>
-            <a:r>
-              <a:rPr lang="zh-CN" altLang="en-US" sz="1400" smtClean="0">
-                <a:solidFill>
-                  <a:schemeClr val="bg1"/>
-                </a:solidFill>
-                <a:sym typeface="Arial" panose="020B0604020202020204" pitchFamily="34" charset="0"/>
-              </a:rPr>
-              <a:t>政策解读、院校介绍、专业分析、经验分享</a:t>
-            </a:r>
-            <a:endParaRPr lang="en-US" altLang="zh-CN" sz="1400" dirty="0">
-              <a:solidFill>
-                <a:schemeClr val="bg1"/>
-              </a:solidFill>
-              <a:sym typeface="Arial" panose="020B0604020202020204" pitchFamily="34" charset="0"/>
-            </a:endParaRPr>
           </a:p>
         </p:txBody>
       </p:sp>
@@ -50506,7 +50272,7 @@
           <p:cNvPr id="30" name="iṡḷîďè">
             <a:extLst>
               <a:ext uri="{FF2B5EF4-FFF2-40B4-BE49-F238E27FC236}">
-                <a16:creationId xmlns:a16="http://schemas.microsoft.com/office/drawing/2014/main" xmlns:p14="http://schemas.microsoft.com/office/powerpoint/2010/main" xmlns:a14="http://schemas.microsoft.com/office/drawing/2010/main" xmlns="" id="{2ADEDC8B-8EBF-4776-93E5-42634611E898}"/>
+                <a16:creationId xmlns:a16="http://schemas.microsoft.com/office/drawing/2014/main" id="{2ADEDC8B-8EBF-4776-93E5-42634611E898}"/>
               </a:ext>
             </a:extLst>
           </p:cNvPr>
@@ -50542,7 +50308,7 @@
           <p:cNvPr id="27" name="išḷíďè">
             <a:extLst>
               <a:ext uri="{FF2B5EF4-FFF2-40B4-BE49-F238E27FC236}">
-                <a16:creationId xmlns:a16="http://schemas.microsoft.com/office/drawing/2014/main" xmlns:p14="http://schemas.microsoft.com/office/powerpoint/2010/main" xmlns:a14="http://schemas.microsoft.com/office/drawing/2010/main" xmlns="" id="{1768D7E2-880C-4370-B54E-A64CE7201690}"/>
+                <a16:creationId xmlns:a16="http://schemas.microsoft.com/office/drawing/2014/main" id="{1768D7E2-880C-4370-B54E-A64CE7201690}"/>
               </a:ext>
             </a:extLst>
           </p:cNvPr>
@@ -50593,13 +50359,6 @@
   <p:clrMapOvr>
     <a:masterClrMapping/>
   </p:clrMapOvr>
-  <p:timing>
-    <p:tnLst>
-      <p:par>
-        <p:cTn id="1" dur="indefinite" restart="never" nodeType="tmRoot"/>
-      </p:par>
-    </p:tnLst>
-  </p:timing>
 </p:sld>
 </file>
 
